--- a/Präsentation/Präsentation.pptx
+++ b/Präsentation/Präsentation.pptx
@@ -11,7 +11,7 @@
     <p:sldId id="256" r:id="rId2"/>
     <p:sldId id="257" r:id="rId3"/>
     <p:sldId id="268" r:id="rId4"/>
-    <p:sldId id="263" r:id="rId5"/>
+    <p:sldId id="270" r:id="rId5"/>
     <p:sldId id="264" r:id="rId6"/>
     <p:sldId id="258" r:id="rId7"/>
     <p:sldId id="260" r:id="rId8"/>
@@ -121,7 +121,7 @@
   </p:defaultTextStyle>
   <p:extLst>
     <p:ext uri="{EFAFB233-063F-42B5-8137-9DF3F51BA10A}">
-      <p15:sldGuideLst xmlns:p15="http://schemas.microsoft.com/office/powerpoint/2012/main" xmlns=""/>
+      <p15:sldGuideLst xmlns="" xmlns:p15="http://schemas.microsoft.com/office/powerpoint/2012/main"/>
     </p:ext>
   </p:extLst>
 </p:presentation>
@@ -209,7 +209,7 @@
           <a:p>
             <a:fld id="{DABCB6A0-074C-4374-A4F4-2E95E7EBA89D}" type="datetimeFigureOut">
               <a:rPr lang="en-GB" smtClean="0"/>
-              <a:t>19/03/2015</a:t>
+              <a:t>21/03/2015</a:t>
             </a:fld>
             <a:endParaRPr lang="en-GB"/>
           </a:p>
@@ -1232,7 +1232,7 @@
             <a:fld id="{B61BEF0D-F0BB-DE4B-95CE-6DB70DBA9567}" type="datetimeFigureOut">
               <a:rPr lang="en-US"/>
               <a:pPr/>
-              <a:t>3/19/2015</a:t>
+              <a:t>3/21/2015</a:t>
             </a:fld>
             <a:endParaRPr lang="en-US"/>
           </a:p>
@@ -1555,7 +1555,7 @@
             <a:fld id="{B61BEF0D-F0BB-DE4B-95CE-6DB70DBA9567}" type="datetimeFigureOut">
               <a:rPr lang="en-US"/>
               <a:pPr/>
-              <a:t>3/19/2015</a:t>
+              <a:t>3/21/2015</a:t>
             </a:fld>
             <a:endParaRPr lang="en-US"/>
           </a:p>
@@ -1830,7 +1830,7 @@
             <a:fld id="{B61BEF0D-F0BB-DE4B-95CE-6DB70DBA9567}" type="datetimeFigureOut">
               <a:rPr lang="en-US"/>
               <a:pPr/>
-              <a:t>3/19/2015</a:t>
+              <a:t>3/21/2015</a:t>
             </a:fld>
             <a:endParaRPr lang="en-US"/>
           </a:p>
@@ -2397,7 +2397,7 @@
             <a:fld id="{B61BEF0D-F0BB-DE4B-95CE-6DB70DBA9567}" type="datetimeFigureOut">
               <a:rPr lang="en-US"/>
               <a:pPr/>
-              <a:t>3/19/2015</a:t>
+              <a:t>3/21/2015</a:t>
             </a:fld>
             <a:endParaRPr lang="en-US"/>
           </a:p>
@@ -2672,7 +2672,7 @@
             <a:fld id="{B61BEF0D-F0BB-DE4B-95CE-6DB70DBA9567}" type="datetimeFigureOut">
               <a:rPr lang="en-US"/>
               <a:pPr/>
-              <a:t>3/19/2015</a:t>
+              <a:t>3/21/2015</a:t>
             </a:fld>
             <a:endParaRPr lang="en-US"/>
           </a:p>
@@ -3231,7 +3231,7 @@
             <a:fld id="{B61BEF0D-F0BB-DE4B-95CE-6DB70DBA9567}" type="datetimeFigureOut">
               <a:rPr lang="en-US"/>
               <a:pPr/>
-              <a:t>3/19/2015</a:t>
+              <a:t>3/21/2015</a:t>
             </a:fld>
             <a:endParaRPr lang="en-US"/>
           </a:p>
@@ -3555,7 +3555,7 @@
             <a:fld id="{B61BEF0D-F0BB-DE4B-95CE-6DB70DBA9567}" type="datetimeFigureOut">
               <a:rPr lang="en-US"/>
               <a:pPr/>
-              <a:t>3/19/2015</a:t>
+              <a:t>3/21/2015</a:t>
             </a:fld>
             <a:endParaRPr lang="en-US"/>
           </a:p>
@@ -3756,7 +3756,7 @@
             <a:fld id="{B61BEF0D-F0BB-DE4B-95CE-6DB70DBA9567}" type="datetimeFigureOut">
               <a:rPr lang="en-US"/>
               <a:pPr/>
-              <a:t>3/19/2015</a:t>
+              <a:t>3/21/2015</a:t>
             </a:fld>
             <a:endParaRPr lang="en-US"/>
           </a:p>
@@ -3963,7 +3963,7 @@
             <a:fld id="{B61BEF0D-F0BB-DE4B-95CE-6DB70DBA9567}" type="datetimeFigureOut">
               <a:rPr lang="en-US"/>
               <a:pPr/>
-              <a:t>3/19/2015</a:t>
+              <a:t>3/21/2015</a:t>
             </a:fld>
             <a:endParaRPr lang="en-US"/>
           </a:p>
@@ -4160,7 +4160,7 @@
             <a:fld id="{B61BEF0D-F0BB-DE4B-95CE-6DB70DBA9567}" type="datetimeFigureOut">
               <a:rPr lang="en-US"/>
               <a:pPr/>
-              <a:t>3/19/2015</a:t>
+              <a:t>3/21/2015</a:t>
             </a:fld>
             <a:endParaRPr lang="en-US"/>
           </a:p>
@@ -4438,7 +4438,7 @@
             <a:fld id="{B61BEF0D-F0BB-DE4B-95CE-6DB70DBA9567}" type="datetimeFigureOut">
               <a:rPr lang="en-US"/>
               <a:pPr/>
-              <a:t>3/19/2015</a:t>
+              <a:t>3/21/2015</a:t>
             </a:fld>
             <a:endParaRPr lang="en-US"/>
           </a:p>
@@ -4762,7 +4762,7 @@
             <a:fld id="{B61BEF0D-F0BB-DE4B-95CE-6DB70DBA9567}" type="datetimeFigureOut">
               <a:rPr lang="en-US"/>
               <a:pPr/>
-              <a:t>3/19/2015</a:t>
+              <a:t>3/21/2015</a:t>
             </a:fld>
             <a:endParaRPr lang="en-US"/>
           </a:p>
@@ -5231,7 +5231,7 @@
             <a:fld id="{B61BEF0D-F0BB-DE4B-95CE-6DB70DBA9567}" type="datetimeFigureOut">
               <a:rPr lang="en-US"/>
               <a:pPr/>
-              <a:t>3/19/2015</a:t>
+              <a:t>3/21/2015</a:t>
             </a:fld>
             <a:endParaRPr lang="en-US"/>
           </a:p>
@@ -5376,7 +5376,7 @@
             <a:fld id="{B61BEF0D-F0BB-DE4B-95CE-6DB70DBA9567}" type="datetimeFigureOut">
               <a:rPr lang="en-US"/>
               <a:pPr/>
-              <a:t>3/19/2015</a:t>
+              <a:t>3/21/2015</a:t>
             </a:fld>
             <a:endParaRPr lang="en-US"/>
           </a:p>
@@ -5498,7 +5498,7 @@
             <a:fld id="{B61BEF0D-F0BB-DE4B-95CE-6DB70DBA9567}" type="datetimeFigureOut">
               <a:rPr lang="en-US"/>
               <a:pPr/>
-              <a:t>3/19/2015</a:t>
+              <a:t>3/21/2015</a:t>
             </a:fld>
             <a:endParaRPr lang="en-US"/>
           </a:p>
@@ -5809,7 +5809,7 @@
             <a:fld id="{B61BEF0D-F0BB-DE4B-95CE-6DB70DBA9567}" type="datetimeFigureOut">
               <a:rPr lang="en-US"/>
               <a:pPr/>
-              <a:t>3/19/2015</a:t>
+              <a:t>3/21/2015</a:t>
             </a:fld>
             <a:endParaRPr lang="en-US"/>
           </a:p>
@@ -6127,7 +6127,7 @@
             <a:fld id="{B61BEF0D-F0BB-DE4B-95CE-6DB70DBA9567}" type="datetimeFigureOut">
               <a:rPr lang="en-US"/>
               <a:pPr/>
-              <a:t>3/19/2015</a:t>
+              <a:t>3/21/2015</a:t>
             </a:fld>
             <a:endParaRPr lang="en-US"/>
           </a:p>
@@ -6684,7 +6684,7 @@
             <a:fld id="{B61BEF0D-F0BB-DE4B-95CE-6DB70DBA9567}" type="datetimeFigureOut">
               <a:rPr lang="en-US"/>
               <a:pPr/>
-              <a:t>3/19/2015</a:t>
+              <a:t>3/21/2015</a:t>
             </a:fld>
             <a:endParaRPr lang="en-US"/>
           </a:p>
@@ -7709,8 +7709,8 @@
           </a:p>
           <a:p>
             <a:r>
-              <a:rPr lang="en-GB" sz="2000" err="1" smtClean="0"/>
-              <a:t>Authentifizierung</a:t>
+              <a:rPr lang="en-GB" sz="2000" smtClean="0"/>
+              <a:t>Authentifizierung / Autorisierung</a:t>
             </a:r>
             <a:endParaRPr lang="en-GB" sz="2000"/>
           </a:p>
@@ -7992,13 +7992,13 @@
         </p:nvSpPr>
         <p:spPr>
           <a:xfrm>
-            <a:off x="2581275" y="2314937"/>
-            <a:ext cx="8921748" cy="4543063"/>
+            <a:off x="2581275" y="2118167"/>
+            <a:ext cx="8921748" cy="4739833"/>
           </a:xfrm>
         </p:spPr>
         <p:txBody>
           <a:bodyPr>
-            <a:normAutofit fontScale="77500" lnSpcReduction="20000"/>
+            <a:normAutofit fontScale="85000" lnSpcReduction="20000"/>
           </a:bodyPr>
           <a:lstStyle/>
           <a:p>
@@ -8017,13 +8017,10 @@
           <a:p>
             <a:pPr lvl="1"/>
             <a:r>
-              <a:rPr lang="de-DE" err="1" smtClean="0"/>
-              <a:t>Use</a:t>
-            </a:r>
-            <a:r>
-              <a:rPr lang="de-DE" smtClean="0"/>
-              <a:t>-Cases (TODO UPDATE)</a:t>
-            </a:r>
+              <a:rPr lang="de-DE" smtClean="0"/>
+              <a:t>Use-Cases</a:t>
+            </a:r>
+            <a:endParaRPr lang="de-DE" smtClean="0"/>
           </a:p>
           <a:p>
             <a:pPr lvl="1"/>
@@ -8031,12 +8028,30 @@
               <a:rPr lang="de-DE" smtClean="0"/>
               <a:t>Kontextabgrenzung</a:t>
             </a:r>
+          </a:p>
+          <a:p>
+            <a:r>
+              <a:rPr lang="de-DE" smtClean="0"/>
+              <a:t>Bausteinsicht des Systems</a:t>
+            </a:r>
+          </a:p>
+          <a:p>
+            <a:pPr lvl="1"/>
+            <a:r>
+              <a:rPr lang="de-DE" smtClean="0"/>
+              <a:t>Komponentenschichten</a:t>
+            </a:r>
             <a:endParaRPr lang="de-DE" smtClean="0"/>
           </a:p>
           <a:p>
-            <a:r>
-              <a:rPr lang="de-DE" smtClean="0"/>
-              <a:t>Bausteinsicht des Systems</a:t>
+            <a:pPr lvl="1"/>
+            <a:r>
+              <a:rPr lang="de-DE" smtClean="0"/>
+              <a:t>Komponentenschichten </a:t>
+            </a:r>
+            <a:r>
+              <a:rPr lang="de-DE" smtClean="0"/>
+              <a:t>(detailliert)</a:t>
             </a:r>
             <a:endParaRPr lang="de-DE" smtClean="0"/>
           </a:p>
@@ -8044,39 +8059,7 @@
             <a:pPr lvl="1"/>
             <a:r>
               <a:rPr lang="de-DE" smtClean="0"/>
-              <a:t>Komponentenschichten (Ebene 1)</a:t>
-            </a:r>
-            <a:endParaRPr lang="de-DE" smtClean="0"/>
-          </a:p>
-          <a:p>
-            <a:pPr lvl="1"/>
-            <a:r>
-              <a:rPr lang="de-DE" smtClean="0"/>
-              <a:t>Komponentenschichten </a:t>
-            </a:r>
-            <a:r>
-              <a:rPr lang="de-DE"/>
-              <a:t>(</a:t>
-            </a:r>
-            <a:r>
-              <a:rPr lang="de-DE" smtClean="0"/>
-              <a:t>Ebene 2)</a:t>
-            </a:r>
-            <a:endParaRPr lang="de-DE" smtClean="0"/>
-          </a:p>
-          <a:p>
-            <a:pPr lvl="1"/>
-            <a:r>
-              <a:rPr lang="de-DE" smtClean="0"/>
-              <a:t>Komponentenentwurf </a:t>
-            </a:r>
-            <a:r>
-              <a:rPr lang="de-DE" smtClean="0"/>
-              <a:t>(TODO </a:t>
-            </a:r>
-            <a:r>
-              <a:rPr lang="de-DE" smtClean="0"/>
-              <a:t>UPDATE DIAGRAM)</a:t>
+              <a:t>Komponentenentwurf (TODO UPDATE DIAGRAM)</a:t>
             </a:r>
           </a:p>
           <a:p>
@@ -8115,7 +8098,6 @@
               <a:rPr lang="de-DE" smtClean="0"/>
               <a:t>Demo / Quellcode-Vorstellung</a:t>
             </a:r>
-            <a:endParaRPr lang="de-DE" smtClean="0"/>
           </a:p>
         </p:txBody>
       </p:sp>
@@ -8189,15 +8171,34 @@
             <p:ph idx="1"/>
           </p:nvPr>
         </p:nvSpPr>
-        <p:spPr/>
+        <p:spPr>
+          <a:xfrm>
+            <a:off x="1484310" y="2666999"/>
+            <a:ext cx="10018713" cy="3641204"/>
+          </a:xfrm>
+        </p:spPr>
         <p:txBody>
           <a:bodyPr>
-            <a:normAutofit fontScale="92500" lnSpcReduction="20000"/>
+            <a:normAutofit fontScale="85000" lnSpcReduction="20000"/>
           </a:bodyPr>
           <a:lstStyle/>
           <a:p>
             <a:r>
-              <a:rPr lang="en-GB" err="1" smtClean="0"/>
+              <a:rPr lang="en-GB" smtClean="0"/>
+              <a:t>Aufgabenstellung</a:t>
+            </a:r>
+          </a:p>
+          <a:p>
+            <a:pPr lvl="1"/>
+            <a:r>
+              <a:rPr lang="en-GB" smtClean="0"/>
+              <a:t>Entwicklung einer Konferenzverwaltungssoftware</a:t>
+            </a:r>
+            <a:endParaRPr lang="en-GB" smtClean="0"/>
+          </a:p>
+          <a:p>
+            <a:r>
+              <a:rPr lang="en-GB" smtClean="0"/>
               <a:t>Rahmenbedingungen</a:t>
             </a:r>
             <a:endParaRPr lang="en-GB" smtClean="0"/>
@@ -8357,7 +8358,7 @@
       </p:grpSpPr>
       <p:sp>
         <p:nvSpPr>
-          <p:cNvPr id="2" name="Titel 1"/>
+          <p:cNvPr id="5" name="Titel 4"/>
           <p:cNvSpPr>
             <a:spLocks noGrp="1"/>
           </p:cNvSpPr>
@@ -8371,12 +8372,8 @@
           <a:lstStyle/>
           <a:p>
             <a:r>
-              <a:rPr lang="de-DE" err="1" smtClean="0"/>
-              <a:t>Use</a:t>
-            </a:r>
-            <a:r>
-              <a:rPr lang="de-DE" smtClean="0"/>
-              <a:t>-Cases</a:t>
+              <a:rPr lang="en-GB" smtClean="0"/>
+              <a:t>Use Cases</a:t>
             </a:r>
             <a:endParaRPr lang="en-GB"/>
           </a:p>
@@ -8384,7 +8381,7 @@
       </p:sp>
       <p:pic>
         <p:nvPicPr>
-          <p:cNvPr id="5" name="Inhaltsplatzhalter 4"/>
+          <p:cNvPr id="9" name="Inhaltsplatzhalter 8"/>
           <p:cNvPicPr>
             <a:picLocks noGrp="1" noChangeAspect="1"/>
           </p:cNvPicPr>
@@ -8394,16 +8391,6 @@
         </p:nvPicPr>
         <p:blipFill>
           <a:blip r:embed="rId2">
-            <a:clrChange>
-              <a:clrFrom>
-                <a:srgbClr val="FFFFFF"/>
-              </a:clrFrom>
-              <a:clrTo>
-                <a:srgbClr val="FFFFFF">
-                  <a:alpha val="0"/>
-                </a:srgbClr>
-              </a:clrTo>
-            </a:clrChange>
             <a:extLst>
               <a:ext uri="{28A0092B-C50C-407E-A947-70E740481C1C}">
                 <a14:useLocalDpi xmlns:a14="http://schemas.microsoft.com/office/drawing/2010/main" val="0"/>
@@ -8416,34 +8403,15 @@
         </p:blipFill>
         <p:spPr>
           <a:xfrm>
-            <a:off x="5033433" y="1203545"/>
-            <a:ext cx="7074923" cy="5197255"/>
+            <a:off x="1929312" y="1973520"/>
+            <a:ext cx="9448602" cy="4328069"/>
           </a:xfrm>
         </p:spPr>
       </p:pic>
-      <p:sp>
-        <p:nvSpPr>
-          <p:cNvPr id="4" name="Textplatzhalter 3"/>
-          <p:cNvSpPr>
-            <a:spLocks noGrp="1"/>
-          </p:cNvSpPr>
-          <p:nvPr>
-            <p:ph type="body" sz="half" idx="2"/>
-          </p:nvPr>
-        </p:nvSpPr>
-        <p:spPr/>
-        <p:txBody>
-          <a:bodyPr/>
-          <a:lstStyle/>
-          <a:p>
-            <a:endParaRPr lang="en-GB"/>
-          </a:p>
-        </p:txBody>
-      </p:sp>
     </p:spTree>
     <p:extLst>
       <p:ext uri="{BB962C8B-B14F-4D97-AF65-F5344CB8AC3E}">
-        <p14:creationId xmlns:p14="http://schemas.microsoft.com/office/powerpoint/2010/main" val="3105223622"/>
+        <p14:creationId xmlns:p14="http://schemas.microsoft.com/office/powerpoint/2010/main" val="3585879108"/>
       </p:ext>
     </p:extLst>
   </p:cSld>
@@ -8618,13 +8586,6 @@
             <a:r>
               <a:rPr lang="de-DE" smtClean="0"/>
               <a:t>Komponentenschichten</a:t>
-            </a:r>
-            <a:br>
-              <a:rPr lang="de-DE" smtClean="0"/>
-            </a:br>
-            <a:r>
-              <a:rPr lang="de-DE" smtClean="0"/>
-              <a:t>(Ebene 1)</a:t>
             </a:r>
             <a:endParaRPr lang="en-GB"/>
           </a:p>
@@ -8816,7 +8777,7 @@
             </a:br>
             <a:r>
               <a:rPr lang="de-DE" smtClean="0"/>
-              <a:t>(Ebene 2)</a:t>
+              <a:t>(detailliert)</a:t>
             </a:r>
             <a:endParaRPr lang="en-GB"/>
           </a:p>
@@ -9398,7 +9359,7 @@
   <a:extraClrSchemeLst/>
   <a:extLst>
     <a:ext uri="{05A4C25C-085E-4340-85A3-A5531E510DB2}">
-      <thm15:themeFamily xmlns:thm15="http://schemas.microsoft.com/office/thememl/2012/main" xmlns="" name="Parallax" id="{3388167B-A2EB-4685-9635-1831D9AEF8C4}" vid="{4F7A876A-7598-49CA-AFC8-8EDA2551E4A7}"/>
+      <thm15:themeFamily xmlns="" xmlns:thm15="http://schemas.microsoft.com/office/thememl/2012/main" name="Parallax" id="{3388167B-A2EB-4685-9635-1831D9AEF8C4}" vid="{4F7A876A-7598-49CA-AFC8-8EDA2551E4A7}"/>
     </a:ext>
   </a:extLst>
 </a:theme>
@@ -9659,7 +9620,7 @@
   <a:extraClrSchemeLst/>
   <a:extLst>
     <a:ext uri="{05A4C25C-085E-4340-85A3-A5531E510DB2}">
-      <thm15:themeFamily xmlns:thm15="http://schemas.microsoft.com/office/thememl/2012/main" xmlns="" name="Office Theme" id="{62F939B6-93AF-4DB8-9C6B-D6C7DFDC589F}" vid="{4A3C46E8-61CC-4603-A589-7422A47A8E4A}"/>
+      <thm15:themeFamily xmlns="" xmlns:thm15="http://schemas.microsoft.com/office/thememl/2012/main" name="Office Theme" id="{62F939B6-93AF-4DB8-9C6B-D6C7DFDC589F}" vid="{4A3C46E8-61CC-4603-A589-7422A47A8E4A}"/>
     </a:ext>
   </a:extLst>
 </a:theme>

--- a/Präsentation/Präsentation.pptx
+++ b/Präsentation/Präsentation.pptx
@@ -14,10 +14,10 @@
     <p:sldId id="270" r:id="rId5"/>
     <p:sldId id="264" r:id="rId6"/>
     <p:sldId id="258" r:id="rId7"/>
-    <p:sldId id="260" r:id="rId8"/>
+    <p:sldId id="259" r:id="rId8"/>
     <p:sldId id="261" r:id="rId9"/>
-    <p:sldId id="262" r:id="rId10"/>
-    <p:sldId id="259" r:id="rId11"/>
+    <p:sldId id="260" r:id="rId10"/>
+    <p:sldId id="262" r:id="rId11"/>
     <p:sldId id="265" r:id="rId12"/>
     <p:sldId id="267" r:id="rId13"/>
     <p:sldId id="269" r:id="rId14"/>
@@ -121,7 +121,18 @@
   </p:defaultTextStyle>
   <p:extLst>
     <p:ext uri="{EFAFB233-063F-42B5-8137-9DF3F51BA10A}">
-      <p15:sldGuideLst xmlns="" xmlns:p15="http://schemas.microsoft.com/office/powerpoint/2012/main"/>
+      <p15:sldGuideLst xmlns:p15="http://schemas.microsoft.com/office/powerpoint/2012/main">
+        <p15:guide id="1" orient="horz" pos="2160">
+          <p15:clr>
+            <a:srgbClr val="A4A3A4"/>
+          </p15:clr>
+        </p15:guide>
+        <p15:guide id="2" pos="3840">
+          <p15:clr>
+            <a:srgbClr val="A4A3A4"/>
+          </p15:clr>
+        </p15:guide>
+      </p15:sldGuideLst>
     </p:ext>
   </p:extLst>
 </p:presentation>
@@ -7317,7 +7328,18 @@
           <a:p>
             <a:r>
               <a:rPr lang="de-DE" smtClean="0"/>
-              <a:t>Verteilungsdiagramm</a:t>
+              <a:t>Klassendiagramm</a:t>
+            </a:r>
+            <a:br>
+              <a:rPr lang="de-DE" smtClean="0"/>
+            </a:br>
+            <a:r>
+              <a:rPr lang="de-DE" smtClean="0"/>
+              <a:t>der </a:t>
+            </a:r>
+            <a:r>
+              <a:rPr lang="de-DE" err="1" smtClean="0"/>
+              <a:t>Entities</a:t>
             </a:r>
             <a:endParaRPr lang="en-GB"/>
           </a:p>
@@ -7357,8 +7379,8 @@
         </p:blipFill>
         <p:spPr>
           <a:xfrm>
-            <a:off x="5053190" y="1535111"/>
-            <a:ext cx="7011067" cy="3827464"/>
+            <a:off x="4883298" y="1638784"/>
+            <a:ext cx="7290357" cy="3723791"/>
           </a:xfrm>
         </p:spPr>
       </p:pic>
@@ -7372,19 +7394,73 @@
             <p:ph type="body" sz="half" idx="2"/>
           </p:nvPr>
         </p:nvSpPr>
-        <p:spPr/>
-        <p:txBody>
-          <a:bodyPr/>
+        <p:spPr>
+          <a:xfrm>
+            <a:off x="1484312" y="2971799"/>
+            <a:ext cx="3549121" cy="3267075"/>
+          </a:xfrm>
+        </p:spPr>
+        <p:txBody>
+          <a:bodyPr>
+            <a:normAutofit/>
+          </a:bodyPr>
           <a:lstStyle/>
           <a:p>
-            <a:endParaRPr lang="en-GB"/>
+            <a:r>
+              <a:rPr lang="de-DE" sz="1800" err="1" smtClean="0"/>
+              <a:t>Anemic</a:t>
+            </a:r>
+            <a:r>
+              <a:rPr lang="de-DE" sz="1800" smtClean="0"/>
+              <a:t> Domain Model</a:t>
+            </a:r>
+          </a:p>
+          <a:p>
+            <a:pPr marL="628650" lvl="1" indent="-171450">
+              <a:buFont typeface="Arial" panose="020B0604020202020204" pitchFamily="34" charset="0"/>
+              <a:buChar char="•"/>
+            </a:pPr>
+            <a:r>
+              <a:rPr lang="de-DE" sz="1400"/>
+              <a:t>Keine </a:t>
+            </a:r>
+            <a:r>
+              <a:rPr lang="de-DE" sz="1400" smtClean="0"/>
+              <a:t>Methoden</a:t>
+            </a:r>
+            <a:br>
+              <a:rPr lang="de-DE" sz="1400" smtClean="0"/>
+            </a:br>
+            <a:r>
+              <a:rPr lang="de-DE" sz="1400" smtClean="0"/>
+              <a:t>(außer </a:t>
+            </a:r>
+            <a:r>
+              <a:rPr lang="de-DE" sz="1400"/>
+              <a:t>Getter und Setter)</a:t>
+            </a:r>
+          </a:p>
+          <a:p>
+            <a:pPr marL="628650" lvl="1" indent="-171450">
+              <a:buFont typeface="Arial" panose="020B0604020202020204" pitchFamily="34" charset="0"/>
+              <a:buChar char="•"/>
+            </a:pPr>
+            <a:r>
+              <a:rPr lang="de-DE" sz="1400"/>
+              <a:t>Verarbeitende Methoden befinden sich im Model </a:t>
+            </a:r>
+            <a:r>
+              <a:rPr lang="de-DE" sz="1400" smtClean="0"/>
+              <a:t>Access</a:t>
+            </a:r>
+            <a:endParaRPr lang="de-DE" sz="1400"/>
           </a:p>
         </p:txBody>
       </p:sp>
     </p:spTree>
     <p:extLst>
       <p:ext uri="{BB962C8B-B14F-4D97-AF65-F5344CB8AC3E}">
-        <p14:creationId xmlns:p14="http://schemas.microsoft.com/office/powerpoint/2010/main" val="2375458352"/>
+        <p14:creationId xmlns:p14="http://schemas.microsoft.com/office/powerpoint/2010/main" val="2049773441"/>
       </p:ext>
     </p:extLst>
   </p:cSld>
@@ -7572,246 +7648,310 @@
           <a:lstStyle/>
           <a:p>
             <a:r>
-              <a:rPr lang="en-GB" sz="2000" err="1" smtClean="0"/>
+              <a:rPr lang="en-GB" sz="2000" dirty="0" err="1" smtClean="0"/>
               <a:t>Rollenmodell</a:t>
             </a:r>
-            <a:endParaRPr lang="en-GB" sz="2000" smtClean="0"/>
+            <a:endParaRPr lang="en-GB" sz="2000" dirty="0" smtClean="0"/>
           </a:p>
           <a:p>
             <a:pPr marL="742950" lvl="2"/>
             <a:r>
-              <a:rPr lang="en-GB" sz="1400" smtClean="0"/>
+              <a:rPr lang="en-GB" sz="1400" dirty="0" smtClean="0"/>
               <a:t>Rolle </a:t>
             </a:r>
             <a:r>
-              <a:rPr lang="en-GB" sz="1400" err="1" smtClean="0"/>
+              <a:rPr lang="en-GB" sz="1400" dirty="0" err="1" smtClean="0"/>
               <a:t>für</a:t>
             </a:r>
             <a:r>
-              <a:rPr lang="en-GB" sz="1400" smtClean="0"/>
+              <a:rPr lang="en-GB" sz="1400" dirty="0" smtClean="0"/>
               <a:t> </a:t>
             </a:r>
             <a:r>
-              <a:rPr lang="en-GB" sz="1400" err="1" smtClean="0"/>
+              <a:rPr lang="en-GB" sz="1400" dirty="0" err="1" smtClean="0"/>
               <a:t>jeden</a:t>
             </a:r>
             <a:r>
-              <a:rPr lang="en-GB" sz="1400" smtClean="0"/>
+              <a:rPr lang="en-GB" sz="1400" dirty="0" smtClean="0"/>
               <a:t> </a:t>
             </a:r>
             <a:r>
-              <a:rPr lang="en-GB" sz="1400" err="1" smtClean="0"/>
+              <a:rPr lang="en-GB" sz="1400" dirty="0" err="1" smtClean="0"/>
               <a:t>Nutzer</a:t>
             </a:r>
             <a:r>
-              <a:rPr lang="en-GB" sz="1400" smtClean="0"/>
+              <a:rPr lang="en-GB" sz="1400" dirty="0" smtClean="0"/>
               <a:t> </a:t>
             </a:r>
             <a:r>
-              <a:rPr lang="en-GB" sz="1400" b="1" smtClean="0"/>
+              <a:rPr lang="en-GB" sz="1400" b="1" dirty="0" smtClean="0"/>
               <a:t>pro </a:t>
             </a:r>
             <a:r>
-              <a:rPr lang="en-GB" sz="1400" b="1" err="1" smtClean="0"/>
+              <a:rPr lang="en-GB" sz="1400" b="1" dirty="0" err="1" smtClean="0"/>
               <a:t>Konferenz</a:t>
             </a:r>
-            <a:endParaRPr lang="en-GB" sz="1400" b="1" smtClean="0"/>
+            <a:endParaRPr lang="en-GB" sz="1400" b="1" dirty="0" smtClean="0"/>
           </a:p>
           <a:p>
             <a:pPr marL="742950" lvl="2"/>
             <a:r>
-              <a:rPr lang="en-GB" sz="1400" err="1" smtClean="0"/>
+              <a:rPr lang="en-GB" sz="1400" dirty="0" err="1" smtClean="0"/>
               <a:t>Keine</a:t>
             </a:r>
             <a:r>
-              <a:rPr lang="en-GB" sz="1400" smtClean="0"/>
+              <a:rPr lang="en-GB" sz="1400" dirty="0" smtClean="0"/>
               <a:t> </a:t>
             </a:r>
             <a:r>
-              <a:rPr lang="en-GB" sz="1400" err="1" smtClean="0"/>
+              <a:rPr lang="en-GB" sz="1400" dirty="0" err="1" smtClean="0"/>
               <a:t>feste</a:t>
             </a:r>
             <a:r>
-              <a:rPr lang="en-GB" sz="1400" smtClean="0"/>
+              <a:rPr lang="en-GB" sz="1400" dirty="0" smtClean="0"/>
               <a:t> Rolle </a:t>
             </a:r>
             <a:r>
-              <a:rPr lang="en-GB" sz="1400" err="1" smtClean="0"/>
+              <a:rPr lang="en-GB" sz="1400" dirty="0" err="1" smtClean="0"/>
               <a:t>für</a:t>
             </a:r>
             <a:r>
-              <a:rPr lang="en-GB" sz="1400" smtClean="0"/>
+              <a:rPr lang="en-GB" sz="1400" dirty="0" smtClean="0"/>
               <a:t> </a:t>
             </a:r>
             <a:r>
-              <a:rPr lang="en-GB" sz="1400" err="1" smtClean="0"/>
+              <a:rPr lang="en-GB" sz="1400" dirty="0" err="1" smtClean="0"/>
               <a:t>gesamte</a:t>
             </a:r>
             <a:r>
-              <a:rPr lang="en-GB" sz="1400" smtClean="0"/>
+              <a:rPr lang="en-GB" sz="1400" dirty="0" smtClean="0"/>
               <a:t> </a:t>
             </a:r>
             <a:r>
-              <a:rPr lang="en-GB" sz="1400" err="1" smtClean="0"/>
+              <a:rPr lang="en-GB" sz="1400" dirty="0" err="1" smtClean="0"/>
               <a:t>Applikation</a:t>
             </a:r>
             <a:r>
-              <a:rPr lang="en-GB" sz="1400" smtClean="0"/>
+              <a:rPr lang="en-GB" sz="1400" dirty="0" smtClean="0"/>
               <a:t> (Admin, User, …)</a:t>
             </a:r>
           </a:p>
           <a:p>
             <a:pPr marL="742950" lvl="2"/>
             <a:r>
-              <a:rPr lang="en-GB" sz="1400" err="1" smtClean="0"/>
+              <a:rPr lang="en-GB" sz="1400" dirty="0" err="1" smtClean="0"/>
               <a:t>Jeder</a:t>
             </a:r>
             <a:r>
-              <a:rPr lang="en-GB" sz="1400" smtClean="0"/>
+              <a:rPr lang="en-GB" sz="1400" dirty="0" smtClean="0"/>
               <a:t> </a:t>
             </a:r>
             <a:r>
-              <a:rPr lang="en-GB" sz="1400" err="1" smtClean="0"/>
+              <a:rPr lang="en-GB" sz="1400" dirty="0" err="1" smtClean="0"/>
               <a:t>Nutzer</a:t>
             </a:r>
             <a:r>
-              <a:rPr lang="en-GB" sz="1400" smtClean="0"/>
+              <a:rPr lang="en-GB" sz="1400" dirty="0" smtClean="0"/>
               <a:t> (</a:t>
             </a:r>
             <a:r>
-              <a:rPr lang="en-GB" sz="1400" err="1" smtClean="0"/>
+              <a:rPr lang="en-GB" sz="1400" dirty="0" err="1" smtClean="0"/>
               <a:t>im</a:t>
             </a:r>
             <a:r>
-              <a:rPr lang="en-GB" sz="1400" smtClean="0"/>
+              <a:rPr lang="en-GB" sz="1400" dirty="0" smtClean="0"/>
               <a:t> </a:t>
             </a:r>
             <a:r>
-              <a:rPr lang="en-GB" sz="1400" err="1" smtClean="0"/>
+              <a:rPr lang="en-GB" sz="1400" dirty="0" err="1" smtClean="0"/>
               <a:t>Prinzip</a:t>
             </a:r>
             <a:r>
-              <a:rPr lang="en-GB" sz="1400" smtClean="0"/>
+              <a:rPr lang="en-GB" sz="1400" dirty="0" smtClean="0"/>
               <a:t>) </a:t>
             </a:r>
             <a:r>
-              <a:rPr lang="en-GB" sz="1400" err="1" smtClean="0"/>
+              <a:rPr lang="en-GB" sz="1400" dirty="0" err="1" smtClean="0"/>
               <a:t>gleich</a:t>
             </a:r>
             <a:r>
-              <a:rPr lang="en-GB" sz="1400" smtClean="0"/>
-              <a:t> berechtigt</a:t>
-            </a:r>
-            <a:endParaRPr lang="en-GB" sz="1400"/>
-          </a:p>
-          <a:p>
-            <a:endParaRPr lang="en-GB" sz="2000" smtClean="0"/>
-          </a:p>
-          <a:p>
-            <a:r>
-              <a:rPr lang="en-GB" sz="2000" smtClean="0"/>
-              <a:t>Authentifizierung / Autorisierung</a:t>
-            </a:r>
-            <a:endParaRPr lang="en-GB" sz="2000"/>
+              <a:rPr lang="en-GB" sz="1400" dirty="0" smtClean="0"/>
+              <a:t> </a:t>
+            </a:r>
+            <a:r>
+              <a:rPr lang="en-GB" sz="1400" dirty="0" err="1" smtClean="0"/>
+              <a:t>berechtigt</a:t>
+            </a:r>
+            <a:endParaRPr lang="en-GB" sz="1400" dirty="0"/>
+          </a:p>
+          <a:p>
+            <a:endParaRPr lang="en-GB" sz="2000" dirty="0" smtClean="0"/>
+          </a:p>
+          <a:p>
+            <a:r>
+              <a:rPr lang="en-GB" sz="2000" dirty="0" err="1" smtClean="0"/>
+              <a:t>Authentifizierung</a:t>
+            </a:r>
+            <a:r>
+              <a:rPr lang="en-GB" sz="2000" dirty="0" smtClean="0"/>
+              <a:t> / </a:t>
+            </a:r>
+            <a:r>
+              <a:rPr lang="en-GB" sz="2000" dirty="0" err="1" smtClean="0"/>
+              <a:t>Autorisierung</a:t>
+            </a:r>
+            <a:endParaRPr lang="en-GB" sz="2000" dirty="0"/>
           </a:p>
           <a:p>
             <a:pPr lvl="1"/>
             <a:r>
-              <a:rPr lang="en-GB" sz="1600" err="1" smtClean="0"/>
+              <a:rPr lang="en-GB" sz="1600" dirty="0" err="1" smtClean="0"/>
               <a:t>Rollenverwaltung</a:t>
             </a:r>
             <a:r>
-              <a:rPr lang="en-GB" sz="1600" smtClean="0"/>
+              <a:rPr lang="en-GB" sz="1600" dirty="0" smtClean="0"/>
               <a:t> von </a:t>
             </a:r>
             <a:r>
-              <a:rPr lang="en-GB" sz="1600" err="1" smtClean="0"/>
+              <a:rPr lang="en-GB" sz="1600" dirty="0" err="1" smtClean="0"/>
               <a:t>Jave</a:t>
             </a:r>
             <a:r>
-              <a:rPr lang="en-GB" sz="1600" smtClean="0"/>
-              <a:t> EE / Glassfish vergibt </a:t>
-            </a:r>
-            <a:r>
-              <a:rPr lang="en-GB" sz="1600" err="1" smtClean="0"/>
+              <a:rPr lang="en-GB" sz="1600" dirty="0" smtClean="0"/>
+              <a:t> EE / Glassfish </a:t>
+            </a:r>
+            <a:r>
+              <a:rPr lang="en-GB" sz="1600" dirty="0" err="1" smtClean="0"/>
+              <a:t>vergibt</a:t>
+            </a:r>
+            <a:r>
+              <a:rPr lang="en-GB" sz="1600" dirty="0" smtClean="0"/>
+              <a:t> </a:t>
+            </a:r>
+            <a:r>
+              <a:rPr lang="en-GB" sz="1600" dirty="0" err="1" smtClean="0"/>
               <a:t>jedem</a:t>
             </a:r>
             <a:r>
-              <a:rPr lang="en-GB" sz="1600" smtClean="0"/>
+              <a:rPr lang="en-GB" sz="1600" dirty="0" smtClean="0"/>
               <a:t> </a:t>
             </a:r>
             <a:r>
-              <a:rPr lang="en-GB" sz="1600" err="1" smtClean="0"/>
+              <a:rPr lang="en-GB" sz="1600" dirty="0" err="1" smtClean="0"/>
               <a:t>Nutzer</a:t>
             </a:r>
             <a:r>
-              <a:rPr lang="en-GB" sz="1600" smtClean="0"/>
+              <a:rPr lang="en-GB" sz="1600" dirty="0" smtClean="0"/>
               <a:t> </a:t>
             </a:r>
             <a:r>
-              <a:rPr lang="en-GB" sz="1600" err="1" smtClean="0"/>
+              <a:rPr lang="en-GB" sz="1600" dirty="0" err="1" smtClean="0"/>
               <a:t>eine</a:t>
             </a:r>
             <a:r>
-              <a:rPr lang="en-GB" sz="1600" smtClean="0"/>
+              <a:rPr lang="en-GB" sz="1600" dirty="0" smtClean="0"/>
               <a:t> Rolle</a:t>
             </a:r>
           </a:p>
           <a:p>
             <a:pPr lvl="1"/>
             <a:r>
-              <a:rPr lang="en-GB" sz="1600" smtClean="0"/>
+              <a:rPr lang="en-GB" sz="1600" dirty="0" smtClean="0"/>
               <a:t>Glassfish-Security </a:t>
             </a:r>
             <a:r>
-              <a:rPr lang="en-GB" sz="1600" err="1" smtClean="0"/>
+              <a:rPr lang="en-GB" sz="1600" dirty="0" err="1" smtClean="0"/>
               <a:t>daher</a:t>
             </a:r>
             <a:r>
-              <a:rPr lang="en-GB" sz="1600" smtClean="0"/>
-              <a:t> als ungeeignet betrachtet und </a:t>
-            </a:r>
-            <a:r>
-              <a:rPr lang="en-GB" sz="1600" err="1" smtClean="0"/>
+              <a:rPr lang="en-GB" sz="1600" dirty="0" smtClean="0"/>
+              <a:t> </a:t>
+            </a:r>
+            <a:r>
+              <a:rPr lang="en-GB" sz="1600" dirty="0" err="1" smtClean="0"/>
+              <a:t>als</a:t>
+            </a:r>
+            <a:r>
+              <a:rPr lang="en-GB" sz="1600" dirty="0" smtClean="0"/>
+              <a:t> </a:t>
+            </a:r>
+            <a:r>
+              <a:rPr lang="en-GB" sz="1600" dirty="0" err="1" smtClean="0"/>
+              <a:t>ungeeignet</a:t>
+            </a:r>
+            <a:r>
+              <a:rPr lang="en-GB" sz="1600" dirty="0" smtClean="0"/>
+              <a:t> </a:t>
+            </a:r>
+            <a:r>
+              <a:rPr lang="en-GB" sz="1600" dirty="0" err="1" smtClean="0"/>
+              <a:t>betrachtet</a:t>
+            </a:r>
+            <a:r>
+              <a:rPr lang="en-GB" sz="1600" dirty="0" smtClean="0"/>
+              <a:t> und </a:t>
+            </a:r>
+            <a:r>
+              <a:rPr lang="en-GB" sz="1600" dirty="0" err="1" smtClean="0"/>
               <a:t>nicht</a:t>
             </a:r>
             <a:r>
-              <a:rPr lang="en-GB" sz="1600" smtClean="0"/>
+              <a:rPr lang="en-GB" sz="1600" dirty="0" smtClean="0"/>
               <a:t> </a:t>
             </a:r>
             <a:r>
-              <a:rPr lang="en-GB" sz="1600" err="1" smtClean="0"/>
+              <a:rPr lang="en-GB" sz="1600" dirty="0" err="1" smtClean="0"/>
               <a:t>verwendet</a:t>
             </a:r>
-            <a:endParaRPr lang="en-GB" sz="1600" smtClean="0"/>
+            <a:endParaRPr lang="en-GB" sz="1600" dirty="0" smtClean="0"/>
           </a:p>
           <a:p>
             <a:pPr lvl="1"/>
             <a:r>
-              <a:rPr lang="en-GB" sz="1600" err="1" smtClean="0"/>
+              <a:rPr lang="en-GB" sz="1600" dirty="0" err="1" smtClean="0"/>
               <a:t>Eigene</a:t>
             </a:r>
             <a:r>
-              <a:rPr lang="en-GB" sz="1600" smtClean="0"/>
+              <a:rPr lang="en-GB" sz="1600" dirty="0" smtClean="0"/>
               <a:t> </a:t>
             </a:r>
             <a:r>
-              <a:rPr lang="en-GB" sz="1600" err="1" smtClean="0"/>
+              <a:rPr lang="en-GB" sz="1600" dirty="0" err="1" smtClean="0"/>
               <a:t>Authentifizierung</a:t>
             </a:r>
             <a:r>
-              <a:rPr lang="en-GB" sz="1600" smtClean="0"/>
+              <a:rPr lang="en-GB" sz="1600" dirty="0" smtClean="0"/>
               <a:t> </a:t>
             </a:r>
             <a:r>
-              <a:rPr lang="en-GB" sz="1600" err="1" smtClean="0"/>
+              <a:rPr lang="en-GB" sz="1600" dirty="0" err="1" smtClean="0"/>
               <a:t>mit</a:t>
             </a:r>
             <a:r>
-              <a:rPr lang="en-GB" sz="1600" smtClean="0"/>
-              <a:t> Session-Scope-Bean (CDI) und entsprechendem Datenmodell umgesetzt</a:t>
-            </a:r>
-            <a:endParaRPr lang="en-GB" sz="1600"/>
+              <a:rPr lang="en-GB" sz="1600" dirty="0" smtClean="0"/>
+              <a:t> Session-Scope-Bean (CDI) und </a:t>
+            </a:r>
+            <a:r>
+              <a:rPr lang="en-GB" sz="1600" dirty="0" err="1" smtClean="0"/>
+              <a:t>entsprechendem</a:t>
+            </a:r>
+            <a:r>
+              <a:rPr lang="en-GB" sz="1600" dirty="0" smtClean="0"/>
+              <a:t> </a:t>
+            </a:r>
+            <a:r>
+              <a:rPr lang="en-GB" sz="1600" dirty="0" err="1" smtClean="0"/>
+              <a:t>Datenmodell</a:t>
+            </a:r>
+            <a:r>
+              <a:rPr lang="en-GB" sz="1600" dirty="0" smtClean="0"/>
+              <a:t> </a:t>
+            </a:r>
+            <a:r>
+              <a:rPr lang="en-GB" sz="1600" dirty="0" err="1" smtClean="0"/>
+              <a:t>umgesetzt</a:t>
+            </a:r>
+            <a:endParaRPr lang="en-GB" sz="1600" dirty="0"/>
           </a:p>
         </p:txBody>
       </p:sp>
@@ -7998,104 +8138,116 @@
         </p:spPr>
         <p:txBody>
           <a:bodyPr>
-            <a:normAutofit fontScale="85000" lnSpcReduction="20000"/>
+            <a:normAutofit fontScale="92500" lnSpcReduction="20000"/>
           </a:bodyPr>
           <a:lstStyle/>
           <a:p>
             <a:r>
-              <a:rPr lang="de-DE" smtClean="0"/>
+              <a:rPr lang="de-DE" dirty="0" smtClean="0"/>
               <a:t>Einleitung / Motivation</a:t>
             </a:r>
-            <a:endParaRPr lang="de-DE"/>
-          </a:p>
-          <a:p>
-            <a:r>
-              <a:rPr lang="de-DE" smtClean="0"/>
+            <a:endParaRPr lang="de-DE" dirty="0"/>
+          </a:p>
+          <a:p>
+            <a:r>
+              <a:rPr lang="de-DE" dirty="0" smtClean="0"/>
               <a:t>Kontextsicht des Systems</a:t>
             </a:r>
           </a:p>
           <a:p>
             <a:pPr lvl="1"/>
             <a:r>
-              <a:rPr lang="de-DE" smtClean="0"/>
-              <a:t>Use-Cases</a:t>
-            </a:r>
-            <a:endParaRPr lang="de-DE" smtClean="0"/>
+              <a:rPr lang="de-DE" dirty="0" err="1" smtClean="0"/>
+              <a:t>Use</a:t>
+            </a:r>
+            <a:r>
+              <a:rPr lang="de-DE" dirty="0" smtClean="0"/>
+              <a:t>-Cases</a:t>
+            </a:r>
           </a:p>
           <a:p>
             <a:pPr lvl="1"/>
             <a:r>
-              <a:rPr lang="de-DE" smtClean="0"/>
+              <a:rPr lang="de-DE" dirty="0" smtClean="0"/>
               <a:t>Kontextabgrenzung</a:t>
             </a:r>
           </a:p>
           <a:p>
             <a:r>
-              <a:rPr lang="de-DE" smtClean="0"/>
+              <a:rPr lang="de-DE" dirty="0" smtClean="0"/>
               <a:t>Bausteinsicht des Systems</a:t>
             </a:r>
           </a:p>
           <a:p>
             <a:pPr lvl="1"/>
             <a:r>
-              <a:rPr lang="de-DE" smtClean="0"/>
+              <a:rPr lang="de-DE" dirty="0" smtClean="0"/>
               <a:t>Komponentenschichten</a:t>
             </a:r>
-            <a:endParaRPr lang="de-DE" smtClean="0"/>
           </a:p>
           <a:p>
             <a:pPr lvl="1"/>
             <a:r>
-              <a:rPr lang="de-DE" smtClean="0"/>
-              <a:t>Komponentenschichten </a:t>
-            </a:r>
-            <a:r>
-              <a:rPr lang="de-DE" smtClean="0"/>
-              <a:t>(detailliert)</a:t>
-            </a:r>
-            <a:endParaRPr lang="de-DE" smtClean="0"/>
+              <a:rPr lang="de-DE" dirty="0"/>
+              <a:t>Verteilungssicht des </a:t>
+            </a:r>
+            <a:r>
+              <a:rPr lang="de-DE" dirty="0" smtClean="0"/>
+              <a:t>Systems</a:t>
+            </a:r>
+            <a:endParaRPr lang="de-DE" dirty="0" smtClean="0"/>
           </a:p>
           <a:p>
             <a:pPr lvl="1"/>
             <a:r>
-              <a:rPr lang="de-DE" smtClean="0"/>
-              <a:t>Komponentenentwurf (TODO UPDATE DIAGRAM)</a:t>
+              <a:rPr lang="de-DE" dirty="0" smtClean="0"/>
+              <a:t>Komponentenentwurf </a:t>
+            </a:r>
+            <a:r>
+              <a:rPr lang="de-DE" dirty="0" smtClean="0"/>
+              <a:t>(TODO UPDATE DIAGRAM</a:t>
+            </a:r>
+            <a:r>
+              <a:rPr lang="de-DE" dirty="0" smtClean="0"/>
+              <a:t>)</a:t>
             </a:r>
           </a:p>
           <a:p>
             <a:pPr lvl="1"/>
             <a:r>
-              <a:rPr lang="de-DE" smtClean="0"/>
-              <a:t>Klassendiagramm der </a:t>
-            </a:r>
-            <a:r>
-              <a:rPr lang="de-DE" err="1" smtClean="0"/>
+              <a:rPr lang="de-DE" dirty="0" smtClean="0"/>
+              <a:t>Klassendiagramm </a:t>
+            </a:r>
+            <a:r>
+              <a:rPr lang="de-DE" dirty="0" smtClean="0"/>
+              <a:t>der </a:t>
+            </a:r>
+            <a:r>
+              <a:rPr lang="de-DE" dirty="0" err="1" smtClean="0"/>
               <a:t>Entities</a:t>
             </a:r>
-            <a:endParaRPr lang="de-DE" smtClean="0"/>
-          </a:p>
-          <a:p>
-            <a:r>
-              <a:rPr lang="de-DE" smtClean="0"/>
-              <a:t>Verteilungssicht des Systems</a:t>
-            </a:r>
-          </a:p>
-          <a:p>
-            <a:r>
-              <a:rPr lang="de-DE" smtClean="0"/>
-              <a:t>Konzept (Page-Flow)</a:t>
-            </a:r>
-          </a:p>
-          <a:p>
-            <a:r>
-              <a:rPr lang="de-DE"/>
+            <a:endParaRPr lang="de-DE" dirty="0" smtClean="0"/>
+          </a:p>
+          <a:p>
+            <a:r>
+              <a:rPr lang="de-DE" dirty="0" smtClean="0"/>
+              <a:t>Konzept </a:t>
+            </a:r>
+            <a:r>
+              <a:rPr lang="de-DE" dirty="0" smtClean="0"/>
+              <a:t>(Page-Flow)</a:t>
+            </a:r>
+          </a:p>
+          <a:p>
+            <a:r>
+              <a:rPr lang="de-DE" dirty="0"/>
               <a:t>Entwurfsentscheidungen</a:t>
             </a:r>
-            <a:endParaRPr lang="de-DE" smtClean="0"/>
-          </a:p>
-          <a:p>
-            <a:r>
-              <a:rPr lang="de-DE" smtClean="0"/>
+            <a:endParaRPr lang="de-DE" dirty="0" smtClean="0"/>
+          </a:p>
+          <a:p>
+            <a:r>
+              <a:rPr lang="de-DE" dirty="0" smtClean="0"/>
               <a:t>Demo / Quellcode-Vorstellung</a:t>
             </a:r>
           </a:p>
@@ -8184,138 +8336,79 @@
           <a:lstStyle/>
           <a:p>
             <a:r>
-              <a:rPr lang="en-GB" smtClean="0"/>
+              <a:rPr lang="de-DE" dirty="0" smtClean="0"/>
               <a:t>Aufgabenstellung</a:t>
             </a:r>
           </a:p>
           <a:p>
             <a:pPr lvl="1"/>
             <a:r>
-              <a:rPr lang="en-GB" smtClean="0"/>
+              <a:rPr lang="de-DE" dirty="0" smtClean="0"/>
               <a:t>Entwicklung einer Konferenzverwaltungssoftware</a:t>
             </a:r>
-            <a:endParaRPr lang="en-GB" smtClean="0"/>
-          </a:p>
-          <a:p>
-            <a:r>
-              <a:rPr lang="en-GB" smtClean="0"/>
+          </a:p>
+          <a:p>
+            <a:r>
+              <a:rPr lang="de-DE" dirty="0" smtClean="0"/>
               <a:t>Rahmenbedingungen</a:t>
             </a:r>
-            <a:endParaRPr lang="en-GB" smtClean="0"/>
           </a:p>
           <a:p>
             <a:pPr lvl="1"/>
             <a:r>
-              <a:rPr lang="en-GB" err="1" smtClean="0"/>
-              <a:t>Dokumentation</a:t>
-            </a:r>
-            <a:r>
-              <a:rPr lang="en-GB" smtClean="0"/>
-              <a:t> </a:t>
-            </a:r>
-            <a:r>
-              <a:rPr lang="en-GB" err="1" smtClean="0"/>
-              <a:t>mit</a:t>
-            </a:r>
-            <a:r>
-              <a:rPr lang="en-GB" smtClean="0"/>
-              <a:t> arc42</a:t>
+              <a:rPr lang="de-DE" dirty="0" smtClean="0"/>
+              <a:t>Dokumentation mit arc42</a:t>
             </a:r>
           </a:p>
           <a:p>
             <a:pPr lvl="1"/>
             <a:r>
-              <a:rPr lang="en-GB" err="1" smtClean="0"/>
-              <a:t>Modellierung</a:t>
-            </a:r>
-            <a:r>
-              <a:rPr lang="en-GB" smtClean="0"/>
-              <a:t> </a:t>
-            </a:r>
-            <a:r>
-              <a:rPr lang="en-GB" err="1" smtClean="0"/>
-              <a:t>nach</a:t>
-            </a:r>
-            <a:r>
-              <a:rPr lang="en-GB" smtClean="0"/>
-              <a:t> 4-Sichten</a:t>
+              <a:rPr lang="de-DE" dirty="0" smtClean="0"/>
+              <a:t>Modellierung nach 4-Sichten</a:t>
             </a:r>
           </a:p>
           <a:p>
             <a:pPr lvl="1"/>
             <a:r>
-              <a:rPr lang="en-GB" err="1" smtClean="0"/>
-              <a:t>Entwicklung</a:t>
-            </a:r>
-            <a:r>
-              <a:rPr lang="en-GB" smtClean="0"/>
-              <a:t> auf Basis </a:t>
-            </a:r>
-            <a:r>
-              <a:rPr lang="en-GB" err="1" smtClean="0"/>
-              <a:t>gelernter</a:t>
-            </a:r>
-            <a:r>
-              <a:rPr lang="en-GB" smtClean="0"/>
-              <a:t> </a:t>
-            </a:r>
-            <a:r>
-              <a:rPr lang="en-GB" err="1" smtClean="0"/>
-              <a:t>Technicken</a:t>
-            </a:r>
-            <a:r>
-              <a:rPr lang="en-GB" smtClean="0"/>
-              <a:t> und </a:t>
-            </a:r>
-            <a:r>
-              <a:rPr lang="en-GB" err="1" smtClean="0"/>
-              <a:t>Methoden</a:t>
-            </a:r>
-            <a:endParaRPr lang="en-GB" smtClean="0"/>
-          </a:p>
-          <a:p>
-            <a:r>
-              <a:rPr lang="en-GB" err="1" smtClean="0"/>
-              <a:t>Technische</a:t>
-            </a:r>
-            <a:r>
-              <a:rPr lang="en-GB" smtClean="0"/>
-              <a:t> </a:t>
-            </a:r>
-            <a:r>
-              <a:rPr lang="en-GB" err="1" smtClean="0"/>
-              <a:t>Anforderungen</a:t>
-            </a:r>
-            <a:endParaRPr lang="en-GB"/>
+              <a:rPr lang="de-DE" dirty="0" smtClean="0"/>
+              <a:t>Entwicklung auf Basis gelernter Techniken und Methoden</a:t>
+            </a:r>
+          </a:p>
+          <a:p>
+            <a:r>
+              <a:rPr lang="de-DE" dirty="0" smtClean="0"/>
+              <a:t>Technische Anforderungen</a:t>
+            </a:r>
           </a:p>
           <a:p>
             <a:pPr lvl="1"/>
             <a:r>
-              <a:rPr lang="en-GB" smtClean="0"/>
+              <a:rPr lang="de-DE" dirty="0" smtClean="0"/>
               <a:t>Java EE 7 (EJB, CDI)</a:t>
             </a:r>
           </a:p>
           <a:p>
             <a:pPr lvl="1"/>
             <a:r>
-              <a:rPr lang="en-GB" smtClean="0"/>
-              <a:t>Web-</a:t>
-            </a:r>
-            <a:r>
-              <a:rPr lang="en-GB" err="1" smtClean="0"/>
-              <a:t>Technologien</a:t>
-            </a:r>
-            <a:r>
-              <a:rPr lang="en-GB" smtClean="0"/>
-              <a:t> (JSF, Servlet)</a:t>
+              <a:rPr lang="de-DE" dirty="0" smtClean="0"/>
+              <a:t>Web-Technologien (JSF, Servlet)</a:t>
             </a:r>
           </a:p>
           <a:p>
             <a:pPr lvl="1"/>
             <a:r>
-              <a:rPr lang="en-GB" smtClean="0"/>
-              <a:t>Deployment auf Glassfish</a:t>
-            </a:r>
+              <a:rPr lang="de-DE" dirty="0" err="1" smtClean="0"/>
+              <a:t>Deployment</a:t>
+            </a:r>
+            <a:r>
+              <a:rPr lang="de-DE" dirty="0" smtClean="0"/>
+              <a:t> auf </a:t>
+            </a:r>
+            <a:r>
+              <a:rPr lang="de-DE" dirty="0" err="1" smtClean="0"/>
+              <a:t>Glassfish</a:t>
+            </a:r>
+            <a:endParaRPr lang="de-DE" dirty="0" smtClean="0"/>
           </a:p>
         </p:txBody>
       </p:sp>
@@ -8686,6 +8779,29 @@
           <a:chExt cx="0" cy="0"/>
         </a:xfrm>
       </p:grpSpPr>
+      <p:sp>
+        <p:nvSpPr>
+          <p:cNvPr id="2" name="Titel 1"/>
+          <p:cNvSpPr>
+            <a:spLocks noGrp="1"/>
+          </p:cNvSpPr>
+          <p:nvPr>
+            <p:ph type="title"/>
+          </p:nvPr>
+        </p:nvSpPr>
+        <p:spPr/>
+        <p:txBody>
+          <a:bodyPr/>
+          <a:lstStyle/>
+          <a:p>
+            <a:r>
+              <a:rPr lang="de-DE" smtClean="0"/>
+              <a:t>Verteilungsdiagramm</a:t>
+            </a:r>
+            <a:endParaRPr lang="en-GB"/>
+          </a:p>
+        </p:txBody>
+      </p:sp>
       <p:pic>
         <p:nvPicPr>
           <p:cNvPr id="5" name="Inhaltsplatzhalter 4"/>
@@ -8720,8 +8836,8 @@
         </p:blipFill>
         <p:spPr>
           <a:xfrm>
-            <a:off x="5309657" y="761999"/>
-            <a:ext cx="6701367" cy="5960163"/>
+            <a:off x="5053190" y="1535111"/>
+            <a:ext cx="7011067" cy="3827464"/>
           </a:xfrm>
         </p:spPr>
       </p:pic>
@@ -8740,45 +8856,6 @@
           <a:bodyPr/>
           <a:lstStyle/>
           <a:p>
-            <a:r>
-              <a:rPr lang="de-DE" smtClean="0"/>
-              <a:t>Lesender und schreibender Zugriff streng getrennt (CQRS)</a:t>
-            </a:r>
-            <a:endParaRPr lang="en-GB"/>
-          </a:p>
-        </p:txBody>
-      </p:sp>
-      <p:sp>
-        <p:nvSpPr>
-          <p:cNvPr id="6" name="Titel 1"/>
-          <p:cNvSpPr>
-            <a:spLocks noGrp="1"/>
-          </p:cNvSpPr>
-          <p:nvPr>
-            <p:ph type="title"/>
-          </p:nvPr>
-        </p:nvSpPr>
-        <p:spPr>
-          <a:xfrm>
-            <a:off x="1400176" y="1600200"/>
-            <a:ext cx="3705224" cy="1371600"/>
-          </a:xfrm>
-        </p:spPr>
-        <p:txBody>
-          <a:bodyPr/>
-          <a:lstStyle/>
-          <a:p>
-            <a:r>
-              <a:rPr lang="de-DE" smtClean="0"/>
-              <a:t>Komponentenschichten</a:t>
-            </a:r>
-            <a:br>
-              <a:rPr lang="de-DE" smtClean="0"/>
-            </a:br>
-            <a:r>
-              <a:rPr lang="de-DE" smtClean="0"/>
-              <a:t>(detailliert)</a:t>
-            </a:r>
             <a:endParaRPr lang="en-GB"/>
           </a:p>
         </p:txBody>
@@ -8786,7 +8863,7 @@
     </p:spTree>
     <p:extLst>
       <p:ext uri="{BB962C8B-B14F-4D97-AF65-F5344CB8AC3E}">
-        <p14:creationId xmlns:p14="http://schemas.microsoft.com/office/powerpoint/2010/main" val="1202654330"/>
+        <p14:creationId xmlns:p14="http://schemas.microsoft.com/office/powerpoint/2010/main" val="2375458352"/>
       </p:ext>
     </p:extLst>
   </p:cSld>
@@ -8830,12 +8907,7 @@
             <p:ph type="title"/>
           </p:nvPr>
         </p:nvSpPr>
-        <p:spPr>
-          <a:xfrm>
-            <a:off x="1484312" y="1600200"/>
-            <a:ext cx="3549121" cy="1371600"/>
-          </a:xfrm>
-        </p:spPr>
+        <p:spPr/>
         <p:txBody>
           <a:bodyPr/>
           <a:lstStyle/>
@@ -8882,30 +8954,11 @@
         </p:blipFill>
         <p:spPr>
           <a:xfrm>
-            <a:off x="5033432" y="1600200"/>
-            <a:ext cx="7179697" cy="3752850"/>
+            <a:off x="1062120" y="2438399"/>
+            <a:ext cx="11078568" cy="4341342"/>
           </a:xfrm>
         </p:spPr>
       </p:pic>
-      <p:sp>
-        <p:nvSpPr>
-          <p:cNvPr id="4" name="Textplatzhalter 3"/>
-          <p:cNvSpPr>
-            <a:spLocks noGrp="1"/>
-          </p:cNvSpPr>
-          <p:nvPr>
-            <p:ph type="body" sz="half" idx="2"/>
-          </p:nvPr>
-        </p:nvSpPr>
-        <p:spPr/>
-        <p:txBody>
-          <a:bodyPr/>
-          <a:lstStyle/>
-          <a:p>
-            <a:endParaRPr lang="en-GB"/>
-          </a:p>
-        </p:txBody>
-      </p:sp>
     </p:spTree>
     <p:extLst>
       <p:ext uri="{BB962C8B-B14F-4D97-AF65-F5344CB8AC3E}">
@@ -8943,40 +8996,6 @@
           <a:chExt cx="0" cy="0"/>
         </a:xfrm>
       </p:grpSpPr>
-      <p:sp>
-        <p:nvSpPr>
-          <p:cNvPr id="2" name="Titel 1"/>
-          <p:cNvSpPr>
-            <a:spLocks noGrp="1"/>
-          </p:cNvSpPr>
-          <p:nvPr>
-            <p:ph type="title"/>
-          </p:nvPr>
-        </p:nvSpPr>
-        <p:spPr/>
-        <p:txBody>
-          <a:bodyPr/>
-          <a:lstStyle/>
-          <a:p>
-            <a:r>
-              <a:rPr lang="de-DE" smtClean="0"/>
-              <a:t>Klassendiagramm</a:t>
-            </a:r>
-            <a:br>
-              <a:rPr lang="de-DE" smtClean="0"/>
-            </a:br>
-            <a:r>
-              <a:rPr lang="de-DE" smtClean="0"/>
-              <a:t>der </a:t>
-            </a:r>
-            <a:r>
-              <a:rPr lang="de-DE" err="1" smtClean="0"/>
-              <a:t>Entities</a:t>
-            </a:r>
-            <a:endParaRPr lang="en-GB"/>
-          </a:p>
-        </p:txBody>
-      </p:sp>
       <p:pic>
         <p:nvPicPr>
           <p:cNvPr id="5" name="Inhaltsplatzhalter 4"/>
@@ -9011,8 +9030,8 @@
         </p:blipFill>
         <p:spPr>
           <a:xfrm>
-            <a:off x="4883298" y="1638784"/>
-            <a:ext cx="7290357" cy="3723791"/>
+            <a:off x="5309657" y="761999"/>
+            <a:ext cx="6701367" cy="5960163"/>
           </a:xfrm>
         </p:spPr>
       </p:pic>
@@ -9026,73 +9045,69 @@
             <p:ph type="body" sz="half" idx="2"/>
           </p:nvPr>
         </p:nvSpPr>
+        <p:spPr/>
+        <p:txBody>
+          <a:bodyPr/>
+          <a:lstStyle/>
+          <a:p>
+            <a:r>
+              <a:rPr lang="de-DE" dirty="0" smtClean="0"/>
+              <a:t>Lesender und schreibender Zugriff streng getrennt (CQRS</a:t>
+            </a:r>
+            <a:r>
+              <a:rPr lang="de-DE" dirty="0" smtClean="0"/>
+              <a:t>)</a:t>
+            </a:r>
+          </a:p>
+          <a:p>
+            <a:r>
+              <a:rPr lang="de-DE" dirty="0" smtClean="0"/>
+              <a:t>Relevante Daten von </a:t>
+            </a:r>
+            <a:r>
+              <a:rPr lang="de-DE" dirty="0" err="1" smtClean="0"/>
+              <a:t>Entities</a:t>
+            </a:r>
+            <a:r>
+              <a:rPr lang="de-DE" dirty="0" smtClean="0"/>
+              <a:t> in DTOs kopieren</a:t>
+            </a:r>
+            <a:endParaRPr lang="en-GB" dirty="0"/>
+          </a:p>
+        </p:txBody>
+      </p:sp>
+      <p:sp>
+        <p:nvSpPr>
+          <p:cNvPr id="6" name="Titel 1"/>
+          <p:cNvSpPr>
+            <a:spLocks noGrp="1"/>
+          </p:cNvSpPr>
+          <p:nvPr>
+            <p:ph type="title"/>
+          </p:nvPr>
+        </p:nvSpPr>
         <p:spPr>
           <a:xfrm>
-            <a:off x="1484312" y="2971799"/>
-            <a:ext cx="3549121" cy="3267075"/>
+            <a:off x="1400176" y="1600200"/>
+            <a:ext cx="3705224" cy="1371600"/>
           </a:xfrm>
         </p:spPr>
         <p:txBody>
-          <a:bodyPr>
-            <a:normAutofit/>
-          </a:bodyPr>
+          <a:bodyPr/>
           <a:lstStyle/>
           <a:p>
             <a:r>
-              <a:rPr lang="de-DE" sz="1800" err="1" smtClean="0"/>
-              <a:t>Anemic</a:t>
-            </a:r>
-            <a:r>
-              <a:rPr lang="de-DE" sz="1800" smtClean="0"/>
-              <a:t> Domain Model</a:t>
-            </a:r>
-          </a:p>
-          <a:p>
-            <a:pPr marL="628650" lvl="1" indent="-171450">
-              <a:buFont typeface="Arial" panose="020B0604020202020204" pitchFamily="34" charset="0"/>
-              <a:buChar char="•"/>
-            </a:pPr>
-            <a:r>
-              <a:rPr lang="de-DE" sz="1400"/>
-              <a:t>Keine </a:t>
-            </a:r>
-            <a:r>
-              <a:rPr lang="de-DE" sz="1400" smtClean="0"/>
-              <a:t>Methoden</a:t>
-            </a:r>
-            <a:br>
-              <a:rPr lang="de-DE" sz="1400" smtClean="0"/>
-            </a:br>
-            <a:r>
-              <a:rPr lang="de-DE" sz="1400" smtClean="0"/>
-              <a:t>(außer </a:t>
-            </a:r>
-            <a:r>
-              <a:rPr lang="de-DE" sz="1400"/>
-              <a:t>Getter und Setter)</a:t>
-            </a:r>
-          </a:p>
-          <a:p>
-            <a:pPr marL="628650" lvl="1" indent="-171450">
-              <a:buFont typeface="Arial" panose="020B0604020202020204" pitchFamily="34" charset="0"/>
-              <a:buChar char="•"/>
-            </a:pPr>
-            <a:r>
-              <a:rPr lang="de-DE" sz="1400"/>
-              <a:t>Verarbeitende Methoden befinden sich im Model </a:t>
-            </a:r>
-            <a:r>
-              <a:rPr lang="de-DE" sz="1400" smtClean="0"/>
-              <a:t>Access</a:t>
-            </a:r>
-            <a:endParaRPr lang="de-DE" sz="1400"/>
+              <a:rPr lang="de-DE" dirty="0" smtClean="0"/>
+              <a:t>Komponentenschichten</a:t>
+            </a:r>
+            <a:endParaRPr lang="en-GB" dirty="0"/>
           </a:p>
         </p:txBody>
       </p:sp>
     </p:spTree>
     <p:extLst>
       <p:ext uri="{BB962C8B-B14F-4D97-AF65-F5344CB8AC3E}">
-        <p14:creationId xmlns:p14="http://schemas.microsoft.com/office/powerpoint/2010/main" val="2049773441"/>
+        <p14:creationId xmlns:p14="http://schemas.microsoft.com/office/powerpoint/2010/main" val="1202654330"/>
       </p:ext>
     </p:extLst>
   </p:cSld>
@@ -9359,7 +9374,7 @@
   <a:extraClrSchemeLst/>
   <a:extLst>
     <a:ext uri="{05A4C25C-085E-4340-85A3-A5531E510DB2}">
-      <thm15:themeFamily xmlns="" xmlns:thm15="http://schemas.microsoft.com/office/thememl/2012/main" name="Parallax" id="{3388167B-A2EB-4685-9635-1831D9AEF8C4}" vid="{4F7A876A-7598-49CA-AFC8-8EDA2551E4A7}"/>
+      <thm15:themeFamily xmlns:thm15="http://schemas.microsoft.com/office/thememl/2012/main" name="Parallax" id="{3388167B-A2EB-4685-9635-1831D9AEF8C4}" vid="{4F7A876A-7598-49CA-AFC8-8EDA2551E4A7}"/>
     </a:ext>
   </a:extLst>
 </a:theme>
@@ -9620,7 +9635,7 @@
   <a:extraClrSchemeLst/>
   <a:extLst>
     <a:ext uri="{05A4C25C-085E-4340-85A3-A5531E510DB2}">
-      <thm15:themeFamily xmlns="" xmlns:thm15="http://schemas.microsoft.com/office/thememl/2012/main" name="Office Theme" id="{62F939B6-93AF-4DB8-9C6B-D6C7DFDC589F}" vid="{4A3C46E8-61CC-4603-A589-7422A47A8E4A}"/>
+      <thm15:themeFamily xmlns:thm15="http://schemas.microsoft.com/office/thememl/2012/main" name="Office Theme" id="{62F939B6-93AF-4DB8-9C6B-D6C7DFDC589F}" vid="{4A3C46E8-61CC-4603-A589-7422A47A8E4A}"/>
     </a:ext>
   </a:extLst>
 </a:theme>

--- a/Präsentation/Präsentation.pptx
+++ b/Präsentation/Präsentation.pptx
@@ -8195,32 +8195,19 @@
               <a:rPr lang="de-DE" dirty="0" smtClean="0"/>
               <a:t>Systems</a:t>
             </a:r>
-            <a:endParaRPr lang="de-DE" dirty="0" smtClean="0"/>
           </a:p>
           <a:p>
             <a:pPr lvl="1"/>
             <a:r>
               <a:rPr lang="de-DE" dirty="0" smtClean="0"/>
-              <a:t>Komponentenentwurf </a:t>
-            </a:r>
+              <a:t>Komponentenentwurf (TODO UPDATE DIAGRAM)</a:t>
+            </a:r>
+          </a:p>
+          <a:p>
+            <a:pPr lvl="1"/>
             <a:r>
               <a:rPr lang="de-DE" dirty="0" smtClean="0"/>
-              <a:t>(TODO UPDATE DIAGRAM</a:t>
-            </a:r>
-            <a:r>
-              <a:rPr lang="de-DE" dirty="0" smtClean="0"/>
-              <a:t>)</a:t>
-            </a:r>
-          </a:p>
-          <a:p>
-            <a:pPr lvl="1"/>
-            <a:r>
-              <a:rPr lang="de-DE" dirty="0" smtClean="0"/>
-              <a:t>Klassendiagramm </a:t>
-            </a:r>
-            <a:r>
-              <a:rPr lang="de-DE" dirty="0" smtClean="0"/>
-              <a:t>der </a:t>
+              <a:t>Klassendiagramm der </a:t>
             </a:r>
             <a:r>
               <a:rPr lang="de-DE" dirty="0" err="1" smtClean="0"/>
@@ -8231,11 +8218,7 @@
           <a:p>
             <a:r>
               <a:rPr lang="de-DE" dirty="0" smtClean="0"/>
-              <a:t>Konzept </a:t>
-            </a:r>
-            <a:r>
-              <a:rPr lang="de-DE" dirty="0" smtClean="0"/>
-              <a:t>(Page-Flow)</a:t>
+              <a:t>Konzept (Page-Flow)</a:t>
             </a:r>
           </a:p>
           <a:p>
@@ -8954,8 +8937,8 @@
         </p:blipFill>
         <p:spPr>
           <a:xfrm>
-            <a:off x="1062120" y="2438399"/>
-            <a:ext cx="11078568" cy="4341342"/>
+            <a:off x="1070001" y="2438399"/>
+            <a:ext cx="11062806" cy="4341342"/>
           </a:xfrm>
         </p:spPr>
       </p:pic>
@@ -9052,11 +9035,7 @@
           <a:p>
             <a:r>
               <a:rPr lang="de-DE" dirty="0" smtClean="0"/>
-              <a:t>Lesender und schreibender Zugriff streng getrennt (CQRS</a:t>
-            </a:r>
-            <a:r>
-              <a:rPr lang="de-DE" dirty="0" smtClean="0"/>
-              <a:t>)</a:t>
+              <a:t>Lesender und schreibender Zugriff streng getrennt (CQRS)</a:t>
             </a:r>
           </a:p>
           <a:p>

--- a/Präsentation/Präsentation.pptx
+++ b/Präsentation/Präsentation.pptx
@@ -121,7 +121,7 @@
   </p:defaultTextStyle>
   <p:extLst>
     <p:ext uri="{EFAFB233-063F-42B5-8137-9DF3F51BA10A}">
-      <p15:sldGuideLst xmlns:p15="http://schemas.microsoft.com/office/powerpoint/2012/main">
+      <p15:sldGuideLst xmlns:p15="http://schemas.microsoft.com/office/powerpoint/2012/main" xmlns="">
         <p15:guide id="1" orient="horz" pos="2160">
           <p15:clr>
             <a:srgbClr val="A4A3A4"/>
@@ -7538,7 +7538,7 @@
       </p:sp>
       <p:pic>
         <p:nvPicPr>
-          <p:cNvPr id="7" name="Inhaltsplatzhalter 6"/>
+          <p:cNvPr id="5" name="Inhaltsplatzhalter 4"/>
           <p:cNvPicPr>
             <a:picLocks noGrp="1" noChangeAspect="1"/>
           </p:cNvPicPr>
@@ -7560,8 +7560,8 @@
         </p:blipFill>
         <p:spPr>
           <a:xfrm>
-            <a:off x="6683386" y="799888"/>
-            <a:ext cx="4092644" cy="5872852"/>
+            <a:off x="6096096" y="1135451"/>
+            <a:ext cx="4718008" cy="5164179"/>
           </a:xfrm>
         </p:spPr>
       </p:pic>
@@ -8199,26 +8199,25 @@
           <a:p>
             <a:pPr lvl="1"/>
             <a:r>
+              <a:rPr lang="de-DE" smtClean="0"/>
+              <a:t>Komponentenentwurf</a:t>
+            </a:r>
+          </a:p>
+          <a:p>
+            <a:pPr lvl="1"/>
+            <a:r>
+              <a:rPr lang="de-DE" smtClean="0"/>
+              <a:t>Klassendiagramm der Entities</a:t>
+            </a:r>
+          </a:p>
+          <a:p>
+            <a:r>
+              <a:rPr lang="de-DE" smtClean="0"/>
+              <a:t>Konzept </a:t>
+            </a:r>
+            <a:r>
               <a:rPr lang="de-DE" dirty="0" smtClean="0"/>
-              <a:t>Komponentenentwurf (TODO UPDATE DIAGRAM)</a:t>
-            </a:r>
-          </a:p>
-          <a:p>
-            <a:pPr lvl="1"/>
-            <a:r>
-              <a:rPr lang="de-DE" dirty="0" smtClean="0"/>
-              <a:t>Klassendiagramm der </a:t>
-            </a:r>
-            <a:r>
-              <a:rPr lang="de-DE" dirty="0" err="1" smtClean="0"/>
-              <a:t>Entities</a:t>
-            </a:r>
-            <a:endParaRPr lang="de-DE" dirty="0" smtClean="0"/>
-          </a:p>
-          <a:p>
-            <a:r>
-              <a:rPr lang="de-DE" dirty="0" smtClean="0"/>
-              <a:t>Konzept (Page-Flow)</a:t>
+              <a:t>(Page-Flow)</a:t>
             </a:r>
           </a:p>
           <a:p>
@@ -8449,7 +8448,7 @@
           <a:p>
             <a:r>
               <a:rPr lang="en-GB" smtClean="0"/>
-              <a:t>Use Cases</a:t>
+              <a:t>Use-Cases</a:t>
             </a:r>
             <a:endParaRPr lang="en-GB"/>
           </a:p>
@@ -8457,7 +8456,7 @@
       </p:sp>
       <p:pic>
         <p:nvPicPr>
-          <p:cNvPr id="9" name="Inhaltsplatzhalter 8"/>
+          <p:cNvPr id="3" name="Inhaltsplatzhalter 2"/>
           <p:cNvPicPr>
             <a:picLocks noGrp="1" noChangeAspect="1"/>
           </p:cNvPicPr>
@@ -8479,8 +8478,8 @@
         </p:blipFill>
         <p:spPr>
           <a:xfrm>
-            <a:off x="1929312" y="1973520"/>
-            <a:ext cx="9448602" cy="4328069"/>
+            <a:off x="1902737" y="1987498"/>
+            <a:ext cx="9024256" cy="4133692"/>
           </a:xfrm>
         </p:spPr>
       </p:pic>
@@ -9353,7 +9352,7 @@
   <a:extraClrSchemeLst/>
   <a:extLst>
     <a:ext uri="{05A4C25C-085E-4340-85A3-A5531E510DB2}">
-      <thm15:themeFamily xmlns:thm15="http://schemas.microsoft.com/office/thememl/2012/main" name="Parallax" id="{3388167B-A2EB-4685-9635-1831D9AEF8C4}" vid="{4F7A876A-7598-49CA-AFC8-8EDA2551E4A7}"/>
+      <thm15:themeFamily xmlns:thm15="http://schemas.microsoft.com/office/thememl/2012/main" xmlns="" name="Parallax" id="{3388167B-A2EB-4685-9635-1831D9AEF8C4}" vid="{4F7A876A-7598-49CA-AFC8-8EDA2551E4A7}"/>
     </a:ext>
   </a:extLst>
 </a:theme>
@@ -9614,7 +9613,7 @@
   <a:extraClrSchemeLst/>
   <a:extLst>
     <a:ext uri="{05A4C25C-085E-4340-85A3-A5531E510DB2}">
-      <thm15:themeFamily xmlns:thm15="http://schemas.microsoft.com/office/thememl/2012/main" name="Office Theme" id="{62F939B6-93AF-4DB8-9C6B-D6C7DFDC589F}" vid="{4A3C46E8-61CC-4603-A589-7422A47A8E4A}"/>
+      <thm15:themeFamily xmlns:thm15="http://schemas.microsoft.com/office/thememl/2012/main" xmlns="" name="Office Theme" id="{62F939B6-93AF-4DB8-9C6B-D6C7DFDC589F}" vid="{4A3C46E8-61CC-4603-A589-7422A47A8E4A}"/>
     </a:ext>
   </a:extLst>
 </a:theme>

--- a/Präsentation/Präsentation.pptx
+++ b/Präsentation/Präsentation.pptx
@@ -121,7 +121,7 @@
   </p:defaultTextStyle>
   <p:extLst>
     <p:ext uri="{EFAFB233-063F-42B5-8137-9DF3F51BA10A}">
-      <p15:sldGuideLst xmlns:p15="http://schemas.microsoft.com/office/powerpoint/2012/main" xmlns="">
+      <p15:sldGuideLst xmlns:p15="http://schemas.microsoft.com/office/powerpoint/2012/main">
         <p15:guide id="1" orient="horz" pos="2160">
           <p15:clr>
             <a:srgbClr val="A4A3A4"/>
@@ -220,7 +220,7 @@
           <a:p>
             <a:fld id="{DABCB6A0-074C-4374-A4F4-2E95E7EBA89D}" type="datetimeFigureOut">
               <a:rPr lang="en-GB" smtClean="0"/>
-              <a:t>21/03/2015</a:t>
+              <a:t>22/03/2015</a:t>
             </a:fld>
             <a:endParaRPr lang="en-GB"/>
           </a:p>
@@ -1243,7 +1243,7 @@
             <a:fld id="{B61BEF0D-F0BB-DE4B-95CE-6DB70DBA9567}" type="datetimeFigureOut">
               <a:rPr lang="en-US"/>
               <a:pPr/>
-              <a:t>3/21/2015</a:t>
+              <a:t>3/22/2015</a:t>
             </a:fld>
             <a:endParaRPr lang="en-US"/>
           </a:p>
@@ -1566,7 +1566,7 @@
             <a:fld id="{B61BEF0D-F0BB-DE4B-95CE-6DB70DBA9567}" type="datetimeFigureOut">
               <a:rPr lang="en-US"/>
               <a:pPr/>
-              <a:t>3/21/2015</a:t>
+              <a:t>3/22/2015</a:t>
             </a:fld>
             <a:endParaRPr lang="en-US"/>
           </a:p>
@@ -1841,7 +1841,7 @@
             <a:fld id="{B61BEF0D-F0BB-DE4B-95CE-6DB70DBA9567}" type="datetimeFigureOut">
               <a:rPr lang="en-US"/>
               <a:pPr/>
-              <a:t>3/21/2015</a:t>
+              <a:t>3/22/2015</a:t>
             </a:fld>
             <a:endParaRPr lang="en-US"/>
           </a:p>
@@ -2408,7 +2408,7 @@
             <a:fld id="{B61BEF0D-F0BB-DE4B-95CE-6DB70DBA9567}" type="datetimeFigureOut">
               <a:rPr lang="en-US"/>
               <a:pPr/>
-              <a:t>3/21/2015</a:t>
+              <a:t>3/22/2015</a:t>
             </a:fld>
             <a:endParaRPr lang="en-US"/>
           </a:p>
@@ -2683,7 +2683,7 @@
             <a:fld id="{B61BEF0D-F0BB-DE4B-95CE-6DB70DBA9567}" type="datetimeFigureOut">
               <a:rPr lang="en-US"/>
               <a:pPr/>
-              <a:t>3/21/2015</a:t>
+              <a:t>3/22/2015</a:t>
             </a:fld>
             <a:endParaRPr lang="en-US"/>
           </a:p>
@@ -3242,7 +3242,7 @@
             <a:fld id="{B61BEF0D-F0BB-DE4B-95CE-6DB70DBA9567}" type="datetimeFigureOut">
               <a:rPr lang="en-US"/>
               <a:pPr/>
-              <a:t>3/21/2015</a:t>
+              <a:t>3/22/2015</a:t>
             </a:fld>
             <a:endParaRPr lang="en-US"/>
           </a:p>
@@ -3566,7 +3566,7 @@
             <a:fld id="{B61BEF0D-F0BB-DE4B-95CE-6DB70DBA9567}" type="datetimeFigureOut">
               <a:rPr lang="en-US"/>
               <a:pPr/>
-              <a:t>3/21/2015</a:t>
+              <a:t>3/22/2015</a:t>
             </a:fld>
             <a:endParaRPr lang="en-US"/>
           </a:p>
@@ -3767,7 +3767,7 @@
             <a:fld id="{B61BEF0D-F0BB-DE4B-95CE-6DB70DBA9567}" type="datetimeFigureOut">
               <a:rPr lang="en-US"/>
               <a:pPr/>
-              <a:t>3/21/2015</a:t>
+              <a:t>3/22/2015</a:t>
             </a:fld>
             <a:endParaRPr lang="en-US"/>
           </a:p>
@@ -3974,7 +3974,7 @@
             <a:fld id="{B61BEF0D-F0BB-DE4B-95CE-6DB70DBA9567}" type="datetimeFigureOut">
               <a:rPr lang="en-US"/>
               <a:pPr/>
-              <a:t>3/21/2015</a:t>
+              <a:t>3/22/2015</a:t>
             </a:fld>
             <a:endParaRPr lang="en-US"/>
           </a:p>
@@ -4171,7 +4171,7 @@
             <a:fld id="{B61BEF0D-F0BB-DE4B-95CE-6DB70DBA9567}" type="datetimeFigureOut">
               <a:rPr lang="en-US"/>
               <a:pPr/>
-              <a:t>3/21/2015</a:t>
+              <a:t>3/22/2015</a:t>
             </a:fld>
             <a:endParaRPr lang="en-US"/>
           </a:p>
@@ -4449,7 +4449,7 @@
             <a:fld id="{B61BEF0D-F0BB-DE4B-95CE-6DB70DBA9567}" type="datetimeFigureOut">
               <a:rPr lang="en-US"/>
               <a:pPr/>
-              <a:t>3/21/2015</a:t>
+              <a:t>3/22/2015</a:t>
             </a:fld>
             <a:endParaRPr lang="en-US"/>
           </a:p>
@@ -4773,7 +4773,7 @@
             <a:fld id="{B61BEF0D-F0BB-DE4B-95CE-6DB70DBA9567}" type="datetimeFigureOut">
               <a:rPr lang="en-US"/>
               <a:pPr/>
-              <a:t>3/21/2015</a:t>
+              <a:t>3/22/2015</a:t>
             </a:fld>
             <a:endParaRPr lang="en-US"/>
           </a:p>
@@ -5242,7 +5242,7 @@
             <a:fld id="{B61BEF0D-F0BB-DE4B-95CE-6DB70DBA9567}" type="datetimeFigureOut">
               <a:rPr lang="en-US"/>
               <a:pPr/>
-              <a:t>3/21/2015</a:t>
+              <a:t>3/22/2015</a:t>
             </a:fld>
             <a:endParaRPr lang="en-US"/>
           </a:p>
@@ -5387,7 +5387,7 @@
             <a:fld id="{B61BEF0D-F0BB-DE4B-95CE-6DB70DBA9567}" type="datetimeFigureOut">
               <a:rPr lang="en-US"/>
               <a:pPr/>
-              <a:t>3/21/2015</a:t>
+              <a:t>3/22/2015</a:t>
             </a:fld>
             <a:endParaRPr lang="en-US"/>
           </a:p>
@@ -5509,7 +5509,7 @@
             <a:fld id="{B61BEF0D-F0BB-DE4B-95CE-6DB70DBA9567}" type="datetimeFigureOut">
               <a:rPr lang="en-US"/>
               <a:pPr/>
-              <a:t>3/21/2015</a:t>
+              <a:t>3/22/2015</a:t>
             </a:fld>
             <a:endParaRPr lang="en-US"/>
           </a:p>
@@ -5820,7 +5820,7 @@
             <a:fld id="{B61BEF0D-F0BB-DE4B-95CE-6DB70DBA9567}" type="datetimeFigureOut">
               <a:rPr lang="en-US"/>
               <a:pPr/>
-              <a:t>3/21/2015</a:t>
+              <a:t>3/22/2015</a:t>
             </a:fld>
             <a:endParaRPr lang="en-US"/>
           </a:p>
@@ -6138,7 +6138,7 @@
             <a:fld id="{B61BEF0D-F0BB-DE4B-95CE-6DB70DBA9567}" type="datetimeFigureOut">
               <a:rPr lang="en-US"/>
               <a:pPr/>
-              <a:t>3/21/2015</a:t>
+              <a:t>3/22/2015</a:t>
             </a:fld>
             <a:endParaRPr lang="en-US"/>
           </a:p>
@@ -6695,7 +6695,7 @@
             <a:fld id="{B61BEF0D-F0BB-DE4B-95CE-6DB70DBA9567}" type="datetimeFigureOut">
               <a:rPr lang="en-US"/>
               <a:pPr/>
-              <a:t>3/21/2015</a:t>
+              <a:t>3/22/2015</a:t>
             </a:fld>
             <a:endParaRPr lang="en-US"/>
           </a:p>
@@ -9013,7 +9013,7 @@
         <p:spPr>
           <a:xfrm>
             <a:off x="5309657" y="761999"/>
-            <a:ext cx="6701367" cy="5960163"/>
+            <a:ext cx="6701367" cy="5960162"/>
           </a:xfrm>
         </p:spPr>
       </p:pic>
@@ -9352,7 +9352,7 @@
   <a:extraClrSchemeLst/>
   <a:extLst>
     <a:ext uri="{05A4C25C-085E-4340-85A3-A5531E510DB2}">
-      <thm15:themeFamily xmlns:thm15="http://schemas.microsoft.com/office/thememl/2012/main" xmlns="" name="Parallax" id="{3388167B-A2EB-4685-9635-1831D9AEF8C4}" vid="{4F7A876A-7598-49CA-AFC8-8EDA2551E4A7}"/>
+      <thm15:themeFamily xmlns:thm15="http://schemas.microsoft.com/office/thememl/2012/main" name="Parallax" id="{3388167B-A2EB-4685-9635-1831D9AEF8C4}" vid="{4F7A876A-7598-49CA-AFC8-8EDA2551E4A7}"/>
     </a:ext>
   </a:extLst>
 </a:theme>
@@ -9613,7 +9613,7 @@
   <a:extraClrSchemeLst/>
   <a:extLst>
     <a:ext uri="{05A4C25C-085E-4340-85A3-A5531E510DB2}">
-      <thm15:themeFamily xmlns:thm15="http://schemas.microsoft.com/office/thememl/2012/main" xmlns="" name="Office Theme" id="{62F939B6-93AF-4DB8-9C6B-D6C7DFDC589F}" vid="{4A3C46E8-61CC-4603-A589-7422A47A8E4A}"/>
+      <thm15:themeFamily xmlns:thm15="http://schemas.microsoft.com/office/thememl/2012/main" name="Office Theme" id="{62F939B6-93AF-4DB8-9C6B-D6C7DFDC589F}" vid="{4A3C46E8-61CC-4603-A589-7422A47A8E4A}"/>
     </a:ext>
   </a:extLst>
 </a:theme>

--- a/Präsentation/Präsentation.pptx
+++ b/Präsentation/Präsentation.pptx
@@ -8720,7 +8720,17 @@
           <a:bodyPr/>
           <a:lstStyle/>
           <a:p>
-            <a:endParaRPr lang="en-GB"/>
+            <a:r>
+              <a:rPr lang="de-DE" dirty="0" smtClean="0"/>
+              <a:t>Fundamentale Einteilung</a:t>
+            </a:r>
+          </a:p>
+          <a:p>
+            <a:r>
+              <a:rPr lang="de-DE" dirty="0" smtClean="0"/>
+              <a:t>Zugriff jeweils nur auf benachbarte Schichten</a:t>
+            </a:r>
+            <a:endParaRPr lang="en-GB" dirty="0"/>
           </a:p>
         </p:txBody>
       </p:sp>
